--- a/Présentation de ma SAE 15.pptx
+++ b/Présentation de ma SAE 15.pptx
@@ -265,7 +265,7 @@
           <a:p>
             <a:fld id="{FC2A3FA2-376D-4A4E-B12B-994F941D9939}" type="datetimeFigureOut">
               <a:rPr lang="fr-FR" smtClean="0"/>
-              <a:t>18/01/2022</a:t>
+              <a:t>19/01/2022</a:t>
             </a:fld>
             <a:endParaRPr lang="fr-FR"/>
           </a:p>
@@ -335,13 +335,13 @@
   <p:clrMapOvr>
     <a:masterClrMapping/>
   </p:clrMapOvr>
-  <mc:AlternateContent xmlns:mc="http://schemas.openxmlformats.org/markup-compatibility/2006">
-    <mc:Choice xmlns:p14="http://schemas.microsoft.com/office/powerpoint/2010/main" Requires="p14">
+  <mc:AlternateContent xmlns:mc="http://schemas.openxmlformats.org/markup-compatibility/2006" xmlns:p14="http://schemas.microsoft.com/office/powerpoint/2010/main">
+    <mc:Choice Requires="p14">
       <p:transition spd="slow">
         <p14:reveal/>
       </p:transition>
     </mc:Choice>
-    <mc:Fallback>
+    <mc:Fallback xmlns="">
       <p:transition spd="slow">
         <p:fade/>
       </p:transition>
@@ -475,7 +475,7 @@
           <a:p>
             <a:fld id="{FC2A3FA2-376D-4A4E-B12B-994F941D9939}" type="datetimeFigureOut">
               <a:rPr lang="fr-FR" smtClean="0"/>
-              <a:t>18/01/2022</a:t>
+              <a:t>19/01/2022</a:t>
             </a:fld>
             <a:endParaRPr lang="fr-FR"/>
           </a:p>
@@ -545,13 +545,13 @@
   <p:clrMapOvr>
     <a:masterClrMapping/>
   </p:clrMapOvr>
-  <mc:AlternateContent xmlns:mc="http://schemas.openxmlformats.org/markup-compatibility/2006">
-    <mc:Choice xmlns:p14="http://schemas.microsoft.com/office/powerpoint/2010/main" Requires="p14">
+  <mc:AlternateContent xmlns:mc="http://schemas.openxmlformats.org/markup-compatibility/2006" xmlns:p14="http://schemas.microsoft.com/office/powerpoint/2010/main">
+    <mc:Choice Requires="p14">
       <p:transition spd="slow">
         <p14:reveal/>
       </p:transition>
     </mc:Choice>
-    <mc:Fallback>
+    <mc:Fallback xmlns="">
       <p:transition spd="slow">
         <p:fade/>
       </p:transition>
@@ -695,7 +695,7 @@
           <a:p>
             <a:fld id="{FC2A3FA2-376D-4A4E-B12B-994F941D9939}" type="datetimeFigureOut">
               <a:rPr lang="fr-FR" smtClean="0"/>
-              <a:t>18/01/2022</a:t>
+              <a:t>19/01/2022</a:t>
             </a:fld>
             <a:endParaRPr lang="fr-FR"/>
           </a:p>
@@ -765,13 +765,13 @@
   <p:clrMapOvr>
     <a:masterClrMapping/>
   </p:clrMapOvr>
-  <mc:AlternateContent xmlns:mc="http://schemas.openxmlformats.org/markup-compatibility/2006">
-    <mc:Choice xmlns:p14="http://schemas.microsoft.com/office/powerpoint/2010/main" Requires="p14">
+  <mc:AlternateContent xmlns:mc="http://schemas.openxmlformats.org/markup-compatibility/2006" xmlns:p14="http://schemas.microsoft.com/office/powerpoint/2010/main">
+    <mc:Choice Requires="p14">
       <p:transition spd="slow">
         <p14:reveal/>
       </p:transition>
     </mc:Choice>
-    <mc:Fallback>
+    <mc:Fallback xmlns="">
       <p:transition spd="slow">
         <p:fade/>
       </p:transition>
@@ -905,7 +905,7 @@
           <a:p>
             <a:fld id="{FC2A3FA2-376D-4A4E-B12B-994F941D9939}" type="datetimeFigureOut">
               <a:rPr lang="fr-FR" smtClean="0"/>
-              <a:t>18/01/2022</a:t>
+              <a:t>19/01/2022</a:t>
             </a:fld>
             <a:endParaRPr lang="fr-FR"/>
           </a:p>
@@ -975,13 +975,13 @@
   <p:clrMapOvr>
     <a:masterClrMapping/>
   </p:clrMapOvr>
-  <mc:AlternateContent xmlns:mc="http://schemas.openxmlformats.org/markup-compatibility/2006">
-    <mc:Choice xmlns:p14="http://schemas.microsoft.com/office/powerpoint/2010/main" Requires="p14">
+  <mc:AlternateContent xmlns:mc="http://schemas.openxmlformats.org/markup-compatibility/2006" xmlns:p14="http://schemas.microsoft.com/office/powerpoint/2010/main">
+    <mc:Choice Requires="p14">
       <p:transition spd="slow">
         <p14:reveal/>
       </p:transition>
     </mc:Choice>
-    <mc:Fallback>
+    <mc:Fallback xmlns="">
       <p:transition spd="slow">
         <p:fade/>
       </p:transition>
@@ -1192,7 +1192,7 @@
           <a:p>
             <a:fld id="{FC2A3FA2-376D-4A4E-B12B-994F941D9939}" type="datetimeFigureOut">
               <a:rPr lang="fr-FR" smtClean="0"/>
-              <a:t>18/01/2022</a:t>
+              <a:t>19/01/2022</a:t>
             </a:fld>
             <a:endParaRPr lang="fr-FR"/>
           </a:p>
@@ -1262,13 +1262,13 @@
   <p:clrMapOvr>
     <a:masterClrMapping/>
   </p:clrMapOvr>
-  <mc:AlternateContent xmlns:mc="http://schemas.openxmlformats.org/markup-compatibility/2006">
-    <mc:Choice xmlns:p14="http://schemas.microsoft.com/office/powerpoint/2010/main" Requires="p14">
+  <mc:AlternateContent xmlns:mc="http://schemas.openxmlformats.org/markup-compatibility/2006" xmlns:p14="http://schemas.microsoft.com/office/powerpoint/2010/main">
+    <mc:Choice Requires="p14">
       <p:transition spd="slow">
         <p14:reveal/>
       </p:transition>
     </mc:Choice>
-    <mc:Fallback>
+    <mc:Fallback xmlns="">
       <p:transition spd="slow">
         <p:fade/>
       </p:transition>
@@ -1469,7 +1469,7 @@
           <a:p>
             <a:fld id="{FC2A3FA2-376D-4A4E-B12B-994F941D9939}" type="datetimeFigureOut">
               <a:rPr lang="fr-FR" smtClean="0"/>
-              <a:t>18/01/2022</a:t>
+              <a:t>19/01/2022</a:t>
             </a:fld>
             <a:endParaRPr lang="fr-FR"/>
           </a:p>
@@ -1539,13 +1539,13 @@
   <p:clrMapOvr>
     <a:masterClrMapping/>
   </p:clrMapOvr>
-  <mc:AlternateContent xmlns:mc="http://schemas.openxmlformats.org/markup-compatibility/2006">
-    <mc:Choice xmlns:p14="http://schemas.microsoft.com/office/powerpoint/2010/main" Requires="p14">
+  <mc:AlternateContent xmlns:mc="http://schemas.openxmlformats.org/markup-compatibility/2006" xmlns:p14="http://schemas.microsoft.com/office/powerpoint/2010/main">
+    <mc:Choice Requires="p14">
       <p:transition spd="slow">
         <p14:reveal/>
       </p:transition>
     </mc:Choice>
-    <mc:Fallback>
+    <mc:Fallback xmlns="">
       <p:transition spd="slow">
         <p:fade/>
       </p:transition>
@@ -1893,7 +1893,7 @@
           <a:p>
             <a:fld id="{FC2A3FA2-376D-4A4E-B12B-994F941D9939}" type="datetimeFigureOut">
               <a:rPr lang="fr-FR" smtClean="0"/>
-              <a:t>18/01/2022</a:t>
+              <a:t>19/01/2022</a:t>
             </a:fld>
             <a:endParaRPr lang="fr-FR"/>
           </a:p>
@@ -1963,13 +1963,13 @@
   <p:clrMapOvr>
     <a:masterClrMapping/>
   </p:clrMapOvr>
-  <mc:AlternateContent xmlns:mc="http://schemas.openxmlformats.org/markup-compatibility/2006">
-    <mc:Choice xmlns:p14="http://schemas.microsoft.com/office/powerpoint/2010/main" Requires="p14">
+  <mc:AlternateContent xmlns:mc="http://schemas.openxmlformats.org/markup-compatibility/2006" xmlns:p14="http://schemas.microsoft.com/office/powerpoint/2010/main">
+    <mc:Choice Requires="p14">
       <p:transition spd="slow">
         <p14:reveal/>
       </p:transition>
     </mc:Choice>
-    <mc:Fallback>
+    <mc:Fallback xmlns="">
       <p:transition spd="slow">
         <p:fade/>
       </p:transition>
@@ -2046,7 +2046,7 @@
           <a:p>
             <a:fld id="{FC2A3FA2-376D-4A4E-B12B-994F941D9939}" type="datetimeFigureOut">
               <a:rPr lang="fr-FR" smtClean="0"/>
-              <a:t>18/01/2022</a:t>
+              <a:t>19/01/2022</a:t>
             </a:fld>
             <a:endParaRPr lang="fr-FR"/>
           </a:p>
@@ -2116,13 +2116,13 @@
   <p:clrMapOvr>
     <a:masterClrMapping/>
   </p:clrMapOvr>
-  <mc:AlternateContent xmlns:mc="http://schemas.openxmlformats.org/markup-compatibility/2006">
-    <mc:Choice xmlns:p14="http://schemas.microsoft.com/office/powerpoint/2010/main" Requires="p14">
+  <mc:AlternateContent xmlns:mc="http://schemas.openxmlformats.org/markup-compatibility/2006" xmlns:p14="http://schemas.microsoft.com/office/powerpoint/2010/main">
+    <mc:Choice Requires="p14">
       <p:transition spd="slow">
         <p14:reveal/>
       </p:transition>
     </mc:Choice>
-    <mc:Fallback>
+    <mc:Fallback xmlns="">
       <p:transition spd="slow">
         <p:fade/>
       </p:transition>
@@ -2171,7 +2171,7 @@
           <a:p>
             <a:fld id="{FC2A3FA2-376D-4A4E-B12B-994F941D9939}" type="datetimeFigureOut">
               <a:rPr lang="fr-FR" smtClean="0"/>
-              <a:t>18/01/2022</a:t>
+              <a:t>19/01/2022</a:t>
             </a:fld>
             <a:endParaRPr lang="fr-FR"/>
           </a:p>
@@ -2241,13 +2241,13 @@
   <p:clrMapOvr>
     <a:masterClrMapping/>
   </p:clrMapOvr>
-  <mc:AlternateContent xmlns:mc="http://schemas.openxmlformats.org/markup-compatibility/2006">
-    <mc:Choice xmlns:p14="http://schemas.microsoft.com/office/powerpoint/2010/main" Requires="p14">
+  <mc:AlternateContent xmlns:mc="http://schemas.openxmlformats.org/markup-compatibility/2006" xmlns:p14="http://schemas.microsoft.com/office/powerpoint/2010/main">
+    <mc:Choice Requires="p14">
       <p:transition spd="slow">
         <p14:reveal/>
       </p:transition>
     </mc:Choice>
-    <mc:Fallback>
+    <mc:Fallback xmlns="">
       <p:transition spd="slow">
         <p:fade/>
       </p:transition>
@@ -2494,7 +2494,7 @@
           <a:p>
             <a:fld id="{FC2A3FA2-376D-4A4E-B12B-994F941D9939}" type="datetimeFigureOut">
               <a:rPr lang="fr-FR" smtClean="0"/>
-              <a:t>18/01/2022</a:t>
+              <a:t>19/01/2022</a:t>
             </a:fld>
             <a:endParaRPr lang="fr-FR"/>
           </a:p>
@@ -2564,13 +2564,13 @@
   <p:clrMapOvr>
     <a:masterClrMapping/>
   </p:clrMapOvr>
-  <mc:AlternateContent xmlns:mc="http://schemas.openxmlformats.org/markup-compatibility/2006">
-    <mc:Choice xmlns:p14="http://schemas.microsoft.com/office/powerpoint/2010/main" Requires="p14">
+  <mc:AlternateContent xmlns:mc="http://schemas.openxmlformats.org/markup-compatibility/2006" xmlns:p14="http://schemas.microsoft.com/office/powerpoint/2010/main">
+    <mc:Choice Requires="p14">
       <p:transition spd="slow">
         <p14:reveal/>
       </p:transition>
     </mc:Choice>
-    <mc:Fallback>
+    <mc:Fallback xmlns="">
       <p:transition spd="slow">
         <p:fade/>
       </p:transition>
@@ -2794,7 +2794,7 @@
           <a:p>
             <a:fld id="{FC2A3FA2-376D-4A4E-B12B-994F941D9939}" type="datetimeFigureOut">
               <a:rPr lang="fr-FR" smtClean="0"/>
-              <a:t>18/01/2022</a:t>
+              <a:t>19/01/2022</a:t>
             </a:fld>
             <a:endParaRPr lang="fr-FR"/>
           </a:p>
@@ -2864,13 +2864,13 @@
   <p:clrMapOvr>
     <a:masterClrMapping/>
   </p:clrMapOvr>
-  <mc:AlternateContent xmlns:mc="http://schemas.openxmlformats.org/markup-compatibility/2006">
-    <mc:Choice xmlns:p14="http://schemas.microsoft.com/office/powerpoint/2010/main" Requires="p14">
+  <mc:AlternateContent xmlns:mc="http://schemas.openxmlformats.org/markup-compatibility/2006" xmlns:p14="http://schemas.microsoft.com/office/powerpoint/2010/main">
+    <mc:Choice Requires="p14">
       <p:transition spd="slow">
         <p14:reveal/>
       </p:transition>
     </mc:Choice>
-    <mc:Fallback>
+    <mc:Fallback xmlns="">
       <p:transition spd="slow">
         <p:fade/>
       </p:transition>
@@ -3050,7 +3050,7 @@
           <a:p>
             <a:fld id="{FC2A3FA2-376D-4A4E-B12B-994F941D9939}" type="datetimeFigureOut">
               <a:rPr lang="fr-FR" smtClean="0"/>
-              <a:t>18/01/2022</a:t>
+              <a:t>19/01/2022</a:t>
             </a:fld>
             <a:endParaRPr lang="fr-FR"/>
           </a:p>
@@ -3167,13 +3167,13 @@
     <p:sldLayoutId id="2147483658" r:id="rId10"/>
     <p:sldLayoutId id="2147483659" r:id="rId11"/>
   </p:sldLayoutIdLst>
-  <mc:AlternateContent xmlns:mc="http://schemas.openxmlformats.org/markup-compatibility/2006">
-    <mc:Choice xmlns:p14="http://schemas.microsoft.com/office/powerpoint/2010/main" Requires="p14">
+  <mc:AlternateContent xmlns:mc="http://schemas.openxmlformats.org/markup-compatibility/2006" xmlns:p14="http://schemas.microsoft.com/office/powerpoint/2010/main">
+    <mc:Choice Requires="p14">
       <p:transition spd="slow">
         <p14:reveal/>
       </p:transition>
     </mc:Choice>
-    <mc:Fallback>
+    <mc:Fallback xmlns="">
       <p:transition spd="slow">
         <p:fade/>
       </p:transition>
@@ -3626,13 +3626,13 @@
   <p:clrMapOvr>
     <a:masterClrMapping/>
   </p:clrMapOvr>
-  <mc:AlternateContent xmlns:mc="http://schemas.openxmlformats.org/markup-compatibility/2006">
-    <mc:Choice xmlns:p14="http://schemas.microsoft.com/office/powerpoint/2010/main" Requires="p14">
+  <mc:AlternateContent xmlns:mc="http://schemas.openxmlformats.org/markup-compatibility/2006" xmlns:p14="http://schemas.microsoft.com/office/powerpoint/2010/main">
+    <mc:Choice Requires="p14">
       <p:transition spd="slow">
         <p14:reveal/>
       </p:transition>
     </mc:Choice>
-    <mc:Fallback>
+    <mc:Fallback xmlns="">
       <p:transition spd="slow">
         <p:fade/>
       </p:transition>
@@ -3804,13 +3804,13 @@
   <p:clrMapOvr>
     <a:masterClrMapping/>
   </p:clrMapOvr>
-  <mc:AlternateContent xmlns:mc="http://schemas.openxmlformats.org/markup-compatibility/2006">
-    <mc:Choice xmlns:p14="http://schemas.microsoft.com/office/powerpoint/2010/main" Requires="p14">
+  <mc:AlternateContent xmlns:mc="http://schemas.openxmlformats.org/markup-compatibility/2006" xmlns:p14="http://schemas.microsoft.com/office/powerpoint/2010/main">
+    <mc:Choice Requires="p14">
       <p:transition spd="slow">
         <p14:reveal/>
       </p:transition>
     </mc:Choice>
-    <mc:Fallback>
+    <mc:Fallback xmlns="">
       <p:transition spd="slow">
         <p:fade/>
       </p:transition>
@@ -3999,13 +3999,13 @@
   <p:clrMapOvr>
     <a:masterClrMapping/>
   </p:clrMapOvr>
-  <mc:AlternateContent xmlns:mc="http://schemas.openxmlformats.org/markup-compatibility/2006">
-    <mc:Choice xmlns:p14="http://schemas.microsoft.com/office/powerpoint/2010/main" Requires="p14">
+  <mc:AlternateContent xmlns:mc="http://schemas.openxmlformats.org/markup-compatibility/2006" xmlns:p14="http://schemas.microsoft.com/office/powerpoint/2010/main">
+    <mc:Choice Requires="p14">
       <p:transition spd="slow">
         <p14:reveal/>
       </p:transition>
     </mc:Choice>
-    <mc:Fallback>
+    <mc:Fallback xmlns="">
       <p:transition spd="slow">
         <p:fade/>
       </p:transition>
@@ -4160,13 +4160,13 @@
   <p:clrMapOvr>
     <a:masterClrMapping/>
   </p:clrMapOvr>
-  <mc:AlternateContent xmlns:mc="http://schemas.openxmlformats.org/markup-compatibility/2006">
-    <mc:Choice xmlns:p14="http://schemas.microsoft.com/office/powerpoint/2010/main" Requires="p14">
+  <mc:AlternateContent xmlns:mc="http://schemas.openxmlformats.org/markup-compatibility/2006" xmlns:p14="http://schemas.microsoft.com/office/powerpoint/2010/main">
+    <mc:Choice Requires="p14">
       <p:transition spd="slow">
         <p14:reveal/>
       </p:transition>
     </mc:Choice>
-    <mc:Fallback>
+    <mc:Fallback xmlns="">
       <p:transition spd="slow">
         <p:fade/>
       </p:transition>
@@ -4351,13 +4351,13 @@
   <p:clrMapOvr>
     <a:masterClrMapping/>
   </p:clrMapOvr>
-  <mc:AlternateContent xmlns:mc="http://schemas.openxmlformats.org/markup-compatibility/2006">
-    <mc:Choice xmlns:p14="http://schemas.microsoft.com/office/powerpoint/2010/main" Requires="p14">
+  <mc:AlternateContent xmlns:mc="http://schemas.openxmlformats.org/markup-compatibility/2006" xmlns:p14="http://schemas.microsoft.com/office/powerpoint/2010/main">
+    <mc:Choice Requires="p14">
       <p:transition spd="slow">
         <p14:reveal/>
       </p:transition>
     </mc:Choice>
-    <mc:Fallback>
+    <mc:Fallback xmlns="">
       <p:transition spd="slow">
         <p:fade/>
       </p:transition>
@@ -4498,7 +4498,7 @@
             </a:r>
             <a:r>
               <a:rPr lang="fr-FR" sz="2500" b="1" dirty="0"/>
-              <a:t> (dont le but est la synchronisation) sans laissant le temps à la cible de répondre, le tout en laissant le port ouvert et en envoyant une autre demande sur un autre port, et ainsi de suite.</a:t>
+              <a:t> (dont le but est la synchronisation) sans laissant le temps à la cible de répondre, le tout en laissant le port semi-ouvert et en envoyant une autre demande sur un autre port, et ainsi de suite.</a:t>
             </a:r>
           </a:p>
           <a:p>
@@ -4556,13 +4556,13 @@
   <p:clrMapOvr>
     <a:masterClrMapping/>
   </p:clrMapOvr>
-  <mc:AlternateContent xmlns:mc="http://schemas.openxmlformats.org/markup-compatibility/2006">
-    <mc:Choice xmlns:p14="http://schemas.microsoft.com/office/powerpoint/2010/main" Requires="p14">
+  <mc:AlternateContent xmlns:mc="http://schemas.openxmlformats.org/markup-compatibility/2006" xmlns:p14="http://schemas.microsoft.com/office/powerpoint/2010/main">
+    <mc:Choice Requires="p14">
       <p:transition spd="slow">
         <p14:reveal/>
       </p:transition>
     </mc:Choice>
-    <mc:Fallback>
+    <mc:Fallback xmlns="">
       <p:transition spd="slow">
         <p:fade/>
       </p:transition>
@@ -4813,13 +4813,13 @@
   <p:clrMapOvr>
     <a:masterClrMapping/>
   </p:clrMapOvr>
-  <mc:AlternateContent xmlns:mc="http://schemas.openxmlformats.org/markup-compatibility/2006">
-    <mc:Choice xmlns:p14="http://schemas.microsoft.com/office/powerpoint/2010/main" Requires="p14">
+  <mc:AlternateContent xmlns:mc="http://schemas.openxmlformats.org/markup-compatibility/2006" xmlns:p14="http://schemas.microsoft.com/office/powerpoint/2010/main">
+    <mc:Choice Requires="p14">
       <p:transition spd="slow">
         <p14:reveal/>
       </p:transition>
     </mc:Choice>
-    <mc:Fallback>
+    <mc:Fallback xmlns="">
       <p:transition spd="slow">
         <p:fade/>
       </p:transition>
